--- a/static/ppt/Nombres_Fibonacci.pptx
+++ b/static/ppt/Nombres_Fibonacci.pptx
@@ -5,7 +5,7 @@
     <p:sldMasterId id="2147483648" r:id="rId1"/>
   </p:sldMasterIdLst>
   <p:notesMasterIdLst>
-    <p:notesMasterId r:id="rId18"/>
+    <p:notesMasterId r:id="rId20"/>
   </p:notesMasterIdLst>
   <p:sldIdLst>
     <p:sldId id="256" r:id="rId2"/>
@@ -20,10 +20,12 @@
     <p:sldId id="264" r:id="rId11"/>
     <p:sldId id="265" r:id="rId12"/>
     <p:sldId id="270" r:id="rId13"/>
-    <p:sldId id="267" r:id="rId14"/>
-    <p:sldId id="268" r:id="rId15"/>
-    <p:sldId id="269" r:id="rId16"/>
-    <p:sldId id="271" r:id="rId17"/>
+    <p:sldId id="272" r:id="rId14"/>
+    <p:sldId id="273" r:id="rId15"/>
+    <p:sldId id="267" r:id="rId16"/>
+    <p:sldId id="268" r:id="rId17"/>
+    <p:sldId id="269" r:id="rId18"/>
+    <p:sldId id="271" r:id="rId19"/>
   </p:sldIdLst>
   <p:sldSz cx="12192000" cy="6858000"/>
   <p:notesSz cx="6858000" cy="9144000"/>
@@ -12257,7 +12259,7 @@
           <a:p>
             <a:fld id="{93817FBE-F131-4862-A278-ADA4698A6009}" type="datetimeFigureOut">
               <a:rPr lang="fr-CA" smtClean="0"/>
-              <a:t>2019-04-03</a:t>
+              <a:t>2019-04-10</a:t>
             </a:fld>
             <a:endParaRPr lang="fr-CA"/>
           </a:p>
@@ -12651,7 +12653,7 @@
           <a:p>
             <a:fld id="{1499BD0C-0209-4EE0-9E6C-D08962FEAD60}" type="slidenum">
               <a:rPr lang="fr-CA" smtClean="0"/>
-              <a:t>15</a:t>
+              <a:t>17</a:t>
             </a:fld>
             <a:endParaRPr lang="fr-CA"/>
           </a:p>
@@ -12801,7 +12803,7 @@
           <a:p>
             <a:fld id="{4EB80C62-8577-4105-B4F1-98D0924FD083}" type="datetimeFigureOut">
               <a:rPr lang="fr-CA" smtClean="0"/>
-              <a:t>2019-04-03</a:t>
+              <a:t>2019-04-10</a:t>
             </a:fld>
             <a:endParaRPr lang="fr-CA"/>
           </a:p>
@@ -12971,7 +12973,7 @@
           <a:p>
             <a:fld id="{4EB80C62-8577-4105-B4F1-98D0924FD083}" type="datetimeFigureOut">
               <a:rPr lang="fr-CA" smtClean="0"/>
-              <a:t>2019-04-03</a:t>
+              <a:t>2019-04-10</a:t>
             </a:fld>
             <a:endParaRPr lang="fr-CA"/>
           </a:p>
@@ -13151,7 +13153,7 @@
           <a:p>
             <a:fld id="{4EB80C62-8577-4105-B4F1-98D0924FD083}" type="datetimeFigureOut">
               <a:rPr lang="fr-CA" smtClean="0"/>
-              <a:t>2019-04-03</a:t>
+              <a:t>2019-04-10</a:t>
             </a:fld>
             <a:endParaRPr lang="fr-CA"/>
           </a:p>
@@ -13321,7 +13323,7 @@
           <a:p>
             <a:fld id="{4EB80C62-8577-4105-B4F1-98D0924FD083}" type="datetimeFigureOut">
               <a:rPr lang="fr-CA" smtClean="0"/>
-              <a:t>2019-04-03</a:t>
+              <a:t>2019-04-10</a:t>
             </a:fld>
             <a:endParaRPr lang="fr-CA"/>
           </a:p>
@@ -13567,7 +13569,7 @@
           <a:p>
             <a:fld id="{4EB80C62-8577-4105-B4F1-98D0924FD083}" type="datetimeFigureOut">
               <a:rPr lang="fr-CA" smtClean="0"/>
-              <a:t>2019-04-03</a:t>
+              <a:t>2019-04-10</a:t>
             </a:fld>
             <a:endParaRPr lang="fr-CA"/>
           </a:p>
@@ -13799,7 +13801,7 @@
           <a:p>
             <a:fld id="{4EB80C62-8577-4105-B4F1-98D0924FD083}" type="datetimeFigureOut">
               <a:rPr lang="fr-CA" smtClean="0"/>
-              <a:t>2019-04-03</a:t>
+              <a:t>2019-04-10</a:t>
             </a:fld>
             <a:endParaRPr lang="fr-CA"/>
           </a:p>
@@ -14166,7 +14168,7 @@
           <a:p>
             <a:fld id="{4EB80C62-8577-4105-B4F1-98D0924FD083}" type="datetimeFigureOut">
               <a:rPr lang="fr-CA" smtClean="0"/>
-              <a:t>2019-04-03</a:t>
+              <a:t>2019-04-10</a:t>
             </a:fld>
             <a:endParaRPr lang="fr-CA"/>
           </a:p>
@@ -14284,7 +14286,7 @@
           <a:p>
             <a:fld id="{4EB80C62-8577-4105-B4F1-98D0924FD083}" type="datetimeFigureOut">
               <a:rPr lang="fr-CA" smtClean="0"/>
-              <a:t>2019-04-03</a:t>
+              <a:t>2019-04-10</a:t>
             </a:fld>
             <a:endParaRPr lang="fr-CA"/>
           </a:p>
@@ -14379,7 +14381,7 @@
           <a:p>
             <a:fld id="{4EB80C62-8577-4105-B4F1-98D0924FD083}" type="datetimeFigureOut">
               <a:rPr lang="fr-CA" smtClean="0"/>
-              <a:t>2019-04-03</a:t>
+              <a:t>2019-04-10</a:t>
             </a:fld>
             <a:endParaRPr lang="fr-CA"/>
           </a:p>
@@ -14656,7 +14658,7 @@
           <a:p>
             <a:fld id="{4EB80C62-8577-4105-B4F1-98D0924FD083}" type="datetimeFigureOut">
               <a:rPr lang="fr-CA" smtClean="0"/>
-              <a:t>2019-04-03</a:t>
+              <a:t>2019-04-10</a:t>
             </a:fld>
             <a:endParaRPr lang="fr-CA"/>
           </a:p>
@@ -14909,7 +14911,7 @@
           <a:p>
             <a:fld id="{4EB80C62-8577-4105-B4F1-98D0924FD083}" type="datetimeFigureOut">
               <a:rPr lang="fr-CA" smtClean="0"/>
-              <a:t>2019-04-03</a:t>
+              <a:t>2019-04-10</a:t>
             </a:fld>
             <a:endParaRPr lang="fr-CA"/>
           </a:p>
@@ -15122,7 +15124,7 @@
           <a:p>
             <a:fld id="{4EB80C62-8577-4105-B4F1-98D0924FD083}" type="datetimeFigureOut">
               <a:rPr lang="fr-CA" smtClean="0"/>
-              <a:t>2019-04-03</a:t>
+              <a:t>2019-04-10</a:t>
             </a:fld>
             <a:endParaRPr lang="fr-CA"/>
           </a:p>
@@ -16334,6 +16336,190 @@
           <a:p>
             <a:r>
               <a:rPr lang="fr-CA" dirty="0" smtClean="0"/>
+              <a:t>1, 1, 2, 3, 5, 8, 13, 21, 34, 55, …</a:t>
+            </a:r>
+            <a:endParaRPr lang="fr-CA" dirty="0"/>
+          </a:p>
+        </p:txBody>
+      </p:sp>
+      <p:sp>
+        <p:nvSpPr>
+          <p:cNvPr id="3" name="ZoneTexte 2"/>
+          <p:cNvSpPr txBox="1"/>
+          <p:nvPr/>
+        </p:nvSpPr>
+        <p:spPr>
+          <a:xfrm>
+            <a:off x="916405" y="1690688"/>
+            <a:ext cx="10359189" cy="923330"/>
+          </a:xfrm>
+          <a:prstGeom prst="rect">
+            <a:avLst/>
+          </a:prstGeom>
+          <a:noFill/>
+        </p:spPr>
+        <p:txBody>
+          <a:bodyPr wrap="square" rtlCol="0">
+            <a:spAutoFit/>
+          </a:bodyPr>
+          <a:lstStyle/>
+          <a:p>
+            <a:r>
+              <a:rPr lang="fr-CA" sz="5400" dirty="0" smtClean="0"/>
+              <a:t>Combien de spirales sur l’ananas?</a:t>
+            </a:r>
+            <a:endParaRPr lang="fr-CA" sz="5400" dirty="0"/>
+          </a:p>
+        </p:txBody>
+      </p:sp>
+    </p:spTree>
+    <p:extLst>
+      <p:ext uri="{BB962C8B-B14F-4D97-AF65-F5344CB8AC3E}">
+        <p14:creationId xmlns:p14="http://schemas.microsoft.com/office/powerpoint/2010/main" val="1277593786"/>
+      </p:ext>
+    </p:extLst>
+  </p:cSld>
+  <p:clrMapOvr>
+    <a:masterClrMapping/>
+  </p:clrMapOvr>
+  <p:timing>
+    <p:tnLst>
+      <p:par>
+        <p:cTn id="1" dur="indefinite" restart="never" nodeType="tmRoot"/>
+      </p:par>
+    </p:tnLst>
+  </p:timing>
+</p:sld>
+</file>
+
+<file path=ppt/slides/slide14.xml><?xml version="1.0" encoding="utf-8"?>
+<p:sld xmlns:a="http://schemas.openxmlformats.org/drawingml/2006/main" xmlns:r="http://schemas.openxmlformats.org/officeDocument/2006/relationships" xmlns:p="http://schemas.openxmlformats.org/presentationml/2006/main">
+  <p:cSld>
+    <p:spTree>
+      <p:nvGrpSpPr>
+        <p:cNvPr id="1" name=""/>
+        <p:cNvGrpSpPr/>
+        <p:nvPr/>
+      </p:nvGrpSpPr>
+      <p:grpSpPr>
+        <a:xfrm>
+          <a:off x="0" y="0"/>
+          <a:ext cx="0" cy="0"/>
+          <a:chOff x="0" y="0"/>
+          <a:chExt cx="0" cy="0"/>
+        </a:xfrm>
+      </p:grpSpPr>
+      <p:sp>
+        <p:nvSpPr>
+          <p:cNvPr id="2" name="Titre 1"/>
+          <p:cNvSpPr>
+            <a:spLocks noGrp="1"/>
+          </p:cNvSpPr>
+          <p:nvPr>
+            <p:ph type="title"/>
+          </p:nvPr>
+        </p:nvSpPr>
+        <p:spPr/>
+        <p:txBody>
+          <a:bodyPr/>
+          <a:lstStyle/>
+          <a:p>
+            <a:r>
+              <a:rPr lang="fr-CA" dirty="0" smtClean="0"/>
+              <a:t>1, 1, 2, 3, 5, 8, 13, 21, 34, 55, …</a:t>
+            </a:r>
+            <a:endParaRPr lang="fr-CA" dirty="0"/>
+          </a:p>
+        </p:txBody>
+      </p:sp>
+      <p:sp>
+        <p:nvSpPr>
+          <p:cNvPr id="3" name="ZoneTexte 2"/>
+          <p:cNvSpPr txBox="1"/>
+          <p:nvPr/>
+        </p:nvSpPr>
+        <p:spPr>
+          <a:xfrm>
+            <a:off x="916405" y="1690688"/>
+            <a:ext cx="10359189" cy="923330"/>
+          </a:xfrm>
+          <a:prstGeom prst="rect">
+            <a:avLst/>
+          </a:prstGeom>
+          <a:noFill/>
+        </p:spPr>
+        <p:txBody>
+          <a:bodyPr wrap="square" rtlCol="0">
+            <a:spAutoFit/>
+          </a:bodyPr>
+          <a:lstStyle/>
+          <a:p>
+            <a:r>
+              <a:rPr lang="fr-CA" sz="5400" dirty="0" smtClean="0"/>
+              <a:t>Combien de </a:t>
+            </a:r>
+            <a:r>
+              <a:rPr lang="fr-CA" sz="5400" dirty="0" smtClean="0"/>
+              <a:t>pétales sur votre fleur?</a:t>
+            </a:r>
+            <a:endParaRPr lang="fr-CA" sz="5400" dirty="0"/>
+          </a:p>
+        </p:txBody>
+      </p:sp>
+    </p:spTree>
+    <p:extLst>
+      <p:ext uri="{BB962C8B-B14F-4D97-AF65-F5344CB8AC3E}">
+        <p14:creationId xmlns:p14="http://schemas.microsoft.com/office/powerpoint/2010/main" val="1583876329"/>
+      </p:ext>
+    </p:extLst>
+  </p:cSld>
+  <p:clrMapOvr>
+    <a:masterClrMapping/>
+  </p:clrMapOvr>
+  <p:timing>
+    <p:tnLst>
+      <p:par>
+        <p:cTn id="1" dur="indefinite" restart="never" nodeType="tmRoot"/>
+      </p:par>
+    </p:tnLst>
+  </p:timing>
+</p:sld>
+</file>
+
+<file path=ppt/slides/slide15.xml><?xml version="1.0" encoding="utf-8"?>
+<p:sld xmlns:a="http://schemas.openxmlformats.org/drawingml/2006/main" xmlns:r="http://schemas.openxmlformats.org/officeDocument/2006/relationships" xmlns:p="http://schemas.openxmlformats.org/presentationml/2006/main">
+  <p:cSld>
+    <p:spTree>
+      <p:nvGrpSpPr>
+        <p:cNvPr id="1" name=""/>
+        <p:cNvGrpSpPr/>
+        <p:nvPr/>
+      </p:nvGrpSpPr>
+      <p:grpSpPr>
+        <a:xfrm>
+          <a:off x="0" y="0"/>
+          <a:ext cx="0" cy="0"/>
+          <a:chOff x="0" y="0"/>
+          <a:chExt cx="0" cy="0"/>
+        </a:xfrm>
+      </p:grpSpPr>
+      <p:sp>
+        <p:nvSpPr>
+          <p:cNvPr id="2" name="Titre 1"/>
+          <p:cNvSpPr>
+            <a:spLocks noGrp="1"/>
+          </p:cNvSpPr>
+          <p:nvPr>
+            <p:ph type="title"/>
+          </p:nvPr>
+        </p:nvSpPr>
+        <p:spPr/>
+        <p:txBody>
+          <a:bodyPr/>
+          <a:lstStyle/>
+          <a:p>
+            <a:r>
+              <a:rPr lang="fr-CA" dirty="0" smtClean="0"/>
               <a:t>Poésie</a:t>
             </a:r>
             <a:endParaRPr lang="fr-CA" dirty="0"/>
@@ -16471,7 +16657,7 @@
 </p:sld>
 </file>
 
-<file path=ppt/slides/slide14.xml><?xml version="1.0" encoding="utf-8"?>
+<file path=ppt/slides/slide16.xml><?xml version="1.0" encoding="utf-8"?>
 <p:sld xmlns:a="http://schemas.openxmlformats.org/drawingml/2006/main" xmlns:r="http://schemas.openxmlformats.org/officeDocument/2006/relationships" xmlns:p="http://schemas.openxmlformats.org/presentationml/2006/main">
   <p:cSld>
     <p:spTree>
@@ -16645,7 +16831,7 @@
 </p:sld>
 </file>
 
-<file path=ppt/slides/slide15.xml><?xml version="1.0" encoding="utf-8"?>
+<file path=ppt/slides/slide17.xml><?xml version="1.0" encoding="utf-8"?>
 <p:sld xmlns:a="http://schemas.openxmlformats.org/drawingml/2006/main" xmlns:r="http://schemas.openxmlformats.org/officeDocument/2006/relationships" xmlns:p="http://schemas.openxmlformats.org/presentationml/2006/main">
   <p:cSld>
     <p:spTree>
@@ -16712,7 +16898,7 @@
 </p:sld>
 </file>
 
-<file path=ppt/slides/slide16.xml><?xml version="1.0" encoding="utf-8"?>
+<file path=ppt/slides/slide18.xml><?xml version="1.0" encoding="utf-8"?>
 <p:sld xmlns:a="http://schemas.openxmlformats.org/drawingml/2006/main" xmlns:r="http://schemas.openxmlformats.org/officeDocument/2006/relationships" xmlns:p="http://schemas.openxmlformats.org/presentationml/2006/main">
   <p:cSld>
     <p:spTree>

--- a/static/ppt/Nombres_Fibonacci.pptx
+++ b/static/ppt/Nombres_Fibonacci.pptx
@@ -12259,7 +12259,7 @@
           <a:p>
             <a:fld id="{93817FBE-F131-4862-A278-ADA4698A6009}" type="datetimeFigureOut">
               <a:rPr lang="fr-CA" smtClean="0"/>
-              <a:t>2019-04-10</a:t>
+              <a:t>2019-04-11</a:t>
             </a:fld>
             <a:endParaRPr lang="fr-CA"/>
           </a:p>
@@ -12572,6 +12572,412 @@
           <a:lstStyle/>
           <a:p>
             <a:r>
+              <a:rPr lang="fr-CA" sz="1200" b="1" i="0" kern="1200" dirty="0" smtClean="0">
+                <a:solidFill>
+                  <a:schemeClr val="tx1"/>
+                </a:solidFill>
+                <a:effectLst/>
+                <a:latin typeface="+mn-lt"/>
+                <a:ea typeface="+mn-ea"/>
+                <a:cs typeface="+mn-cs"/>
+              </a:rPr>
+              <a:t>Leonardo </a:t>
+            </a:r>
+            <a:r>
+              <a:rPr lang="fr-CA" sz="1200" b="1" i="0" kern="1200" dirty="0" err="1" smtClean="0">
+                <a:solidFill>
+                  <a:schemeClr val="tx1"/>
+                </a:solidFill>
+                <a:effectLst/>
+                <a:latin typeface="+mn-lt"/>
+                <a:ea typeface="+mn-ea"/>
+                <a:cs typeface="+mn-cs"/>
+              </a:rPr>
+              <a:t>Fibonacci</a:t>
+            </a:r>
+            <a:r>
+              <a:rPr lang="fr-CA" sz="1200" b="0" i="0" kern="1200" dirty="0" smtClean="0">
+                <a:solidFill>
+                  <a:schemeClr val="tx1"/>
+                </a:solidFill>
+                <a:effectLst/>
+                <a:latin typeface="+mn-lt"/>
+                <a:ea typeface="+mn-ea"/>
+                <a:cs typeface="+mn-cs"/>
+              </a:rPr>
+              <a:t> (v. </a:t>
+            </a:r>
+            <a:r>
+              <a:rPr lang="fr-CA" sz="1200" b="0" i="0" u="none" strike="noStrike" kern="1200" dirty="0" smtClean="0">
+                <a:solidFill>
+                  <a:schemeClr val="tx1"/>
+                </a:solidFill>
+                <a:effectLst/>
+                <a:latin typeface="+mn-lt"/>
+                <a:ea typeface="+mn-ea"/>
+                <a:cs typeface="+mn-cs"/>
+                <a:hlinkClick r:id="rId3" tooltip="1175"/>
+              </a:rPr>
+              <a:t>1175</a:t>
+            </a:r>
+            <a:r>
+              <a:rPr lang="fr-CA" sz="1200" b="0" i="0" kern="1200" dirty="0" smtClean="0">
+                <a:solidFill>
+                  <a:schemeClr val="tx1"/>
+                </a:solidFill>
+                <a:effectLst/>
+                <a:latin typeface="+mn-lt"/>
+                <a:ea typeface="+mn-ea"/>
+                <a:cs typeface="+mn-cs"/>
+              </a:rPr>
+              <a:t> à </a:t>
+            </a:r>
+            <a:r>
+              <a:rPr lang="fr-CA" sz="1200" b="0" i="0" u="none" strike="noStrike" kern="1200" dirty="0" smtClean="0">
+                <a:solidFill>
+                  <a:schemeClr val="tx1"/>
+                </a:solidFill>
+                <a:effectLst/>
+                <a:latin typeface="+mn-lt"/>
+                <a:ea typeface="+mn-ea"/>
+                <a:cs typeface="+mn-cs"/>
+                <a:hlinkClick r:id="rId4" tooltip="Pise"/>
+              </a:rPr>
+              <a:t>Pise</a:t>
+            </a:r>
+            <a:r>
+              <a:rPr lang="fr-CA" sz="1200" b="0" i="0" kern="1200" dirty="0" smtClean="0">
+                <a:solidFill>
+                  <a:schemeClr val="tx1"/>
+                </a:solidFill>
+                <a:effectLst/>
+                <a:latin typeface="+mn-lt"/>
+                <a:ea typeface="+mn-ea"/>
+                <a:cs typeface="+mn-cs"/>
+              </a:rPr>
+              <a:t> - v. </a:t>
+            </a:r>
+            <a:r>
+              <a:rPr lang="fr-CA" sz="1200" b="0" i="0" u="none" strike="noStrike" kern="1200" dirty="0" smtClean="0">
+                <a:solidFill>
+                  <a:schemeClr val="tx1"/>
+                </a:solidFill>
+                <a:effectLst/>
+                <a:latin typeface="+mn-lt"/>
+                <a:ea typeface="+mn-ea"/>
+                <a:cs typeface="+mn-cs"/>
+                <a:hlinkClick r:id="rId5" tooltip="1250"/>
+              </a:rPr>
+              <a:t>1250</a:t>
+            </a:r>
+            <a:r>
+              <a:rPr lang="fr-CA" sz="1200" b="0" i="0" kern="1200" dirty="0" smtClean="0">
+                <a:solidFill>
+                  <a:schemeClr val="tx1"/>
+                </a:solidFill>
+                <a:effectLst/>
+                <a:latin typeface="+mn-lt"/>
+                <a:ea typeface="+mn-ea"/>
+                <a:cs typeface="+mn-cs"/>
+              </a:rPr>
+              <a:t>) est un </a:t>
+            </a:r>
+            <a:r>
+              <a:rPr lang="fr-CA" sz="1200" b="0" i="0" u="none" strike="noStrike" kern="1200" dirty="0" smtClean="0">
+                <a:solidFill>
+                  <a:schemeClr val="tx1"/>
+                </a:solidFill>
+                <a:effectLst/>
+                <a:latin typeface="+mn-lt"/>
+                <a:ea typeface="+mn-ea"/>
+                <a:cs typeface="+mn-cs"/>
+                <a:hlinkClick r:id="rId6" tooltip="Mathématicien"/>
+              </a:rPr>
+              <a:t>mathématicien</a:t>
+            </a:r>
+            <a:r>
+              <a:rPr lang="fr-CA" sz="1200" b="0" i="0" kern="1200" dirty="0" smtClean="0">
+                <a:solidFill>
+                  <a:schemeClr val="tx1"/>
+                </a:solidFill>
+                <a:effectLst/>
+                <a:latin typeface="+mn-lt"/>
+                <a:ea typeface="+mn-ea"/>
+                <a:cs typeface="+mn-cs"/>
+              </a:rPr>
+              <a:t> </a:t>
+            </a:r>
+            <a:r>
+              <a:rPr lang="fr-CA" sz="1200" b="0" i="0" u="none" strike="noStrike" kern="1200" dirty="0" smtClean="0">
+                <a:solidFill>
+                  <a:schemeClr val="tx1"/>
+                </a:solidFill>
+                <a:effectLst/>
+                <a:latin typeface="+mn-lt"/>
+                <a:ea typeface="+mn-ea"/>
+                <a:cs typeface="+mn-cs"/>
+                <a:hlinkClick r:id="rId7" tooltip="Italie"/>
+              </a:rPr>
+              <a:t>italien</a:t>
+            </a:r>
+            <a:r>
+              <a:rPr lang="fr-CA" sz="1200" b="0" i="0" kern="1200" dirty="0" smtClean="0">
+                <a:solidFill>
+                  <a:schemeClr val="tx1"/>
+                </a:solidFill>
+                <a:effectLst/>
+                <a:latin typeface="+mn-lt"/>
+                <a:ea typeface="+mn-ea"/>
+                <a:cs typeface="+mn-cs"/>
+              </a:rPr>
+              <a:t>. Il avait, à l'époque, pour nom d'usage « Leonardo Pisano » (il est encore actuellement connu en français sous l'équivalent « Léonard de Pise »), et se surnommait parfois lui-même « Leonardo </a:t>
+            </a:r>
+            <a:r>
+              <a:rPr lang="fr-CA" sz="1200" b="0" i="0" kern="1200" dirty="0" err="1" smtClean="0">
+                <a:solidFill>
+                  <a:schemeClr val="tx1"/>
+                </a:solidFill>
+                <a:effectLst/>
+                <a:latin typeface="+mn-lt"/>
+                <a:ea typeface="+mn-ea"/>
+                <a:cs typeface="+mn-cs"/>
+              </a:rPr>
+              <a:t>Bigollo</a:t>
+            </a:r>
+            <a:r>
+              <a:rPr lang="fr-CA" sz="1200" b="0" i="0" kern="1200" dirty="0" smtClean="0">
+                <a:solidFill>
+                  <a:schemeClr val="tx1"/>
+                </a:solidFill>
+                <a:effectLst/>
+                <a:latin typeface="+mn-lt"/>
+                <a:ea typeface="+mn-ea"/>
+                <a:cs typeface="+mn-cs"/>
+              </a:rPr>
+              <a:t> » (</a:t>
+            </a:r>
+            <a:r>
+              <a:rPr lang="fr-CA" sz="1200" b="0" i="1" kern="1200" dirty="0" err="1" smtClean="0">
+                <a:solidFill>
+                  <a:schemeClr val="tx1"/>
+                </a:solidFill>
+                <a:effectLst/>
+                <a:latin typeface="+mn-lt"/>
+                <a:ea typeface="+mn-ea"/>
+                <a:cs typeface="+mn-cs"/>
+              </a:rPr>
+              <a:t>bigollo</a:t>
+            </a:r>
+            <a:r>
+              <a:rPr lang="fr-CA" sz="1200" b="0" i="0" kern="1200" dirty="0" smtClean="0">
+                <a:solidFill>
+                  <a:schemeClr val="tx1"/>
+                </a:solidFill>
+                <a:effectLst/>
+                <a:latin typeface="+mn-lt"/>
+                <a:ea typeface="+mn-ea"/>
+                <a:cs typeface="+mn-cs"/>
+              </a:rPr>
+              <a:t> signifiant « voyageur » en italien). S'il est connu pour la </a:t>
+            </a:r>
+            <a:r>
+              <a:rPr lang="fr-CA" sz="1200" b="0" i="0" u="none" strike="noStrike" kern="1200" dirty="0" smtClean="0">
+                <a:solidFill>
+                  <a:schemeClr val="tx1"/>
+                </a:solidFill>
+                <a:effectLst/>
+                <a:latin typeface="+mn-lt"/>
+                <a:ea typeface="+mn-ea"/>
+                <a:cs typeface="+mn-cs"/>
+                <a:hlinkClick r:id="rId8" tooltip="Suite de Fibonacci"/>
+              </a:rPr>
+              <a:t>suite de </a:t>
+            </a:r>
+            <a:r>
+              <a:rPr lang="fr-CA" sz="1200" b="0" i="0" u="none" strike="noStrike" kern="1200" dirty="0" err="1" smtClean="0">
+                <a:solidFill>
+                  <a:schemeClr val="tx1"/>
+                </a:solidFill>
+                <a:effectLst/>
+                <a:latin typeface="+mn-lt"/>
+                <a:ea typeface="+mn-ea"/>
+                <a:cs typeface="+mn-cs"/>
+                <a:hlinkClick r:id="rId8" tooltip="Suite de Fibonacci"/>
+              </a:rPr>
+              <a:t>Fibonacci</a:t>
+            </a:r>
+            <a:r>
+              <a:rPr lang="fr-CA" sz="1200" b="0" i="0" kern="1200" dirty="0" smtClean="0">
+                <a:solidFill>
+                  <a:schemeClr val="tx1"/>
+                </a:solidFill>
+                <a:effectLst/>
+                <a:latin typeface="+mn-lt"/>
+                <a:ea typeface="+mn-ea"/>
+                <a:cs typeface="+mn-cs"/>
+              </a:rPr>
+              <a:t>, il joue surtout un rôle d'une importance considérable en faisant le lien entre le </a:t>
+            </a:r>
+            <a:r>
+              <a:rPr lang="fr-CA" sz="1200" b="0" i="0" u="none" strike="noStrike" kern="1200" dirty="0" smtClean="0">
+                <a:solidFill>
+                  <a:schemeClr val="tx1"/>
+                </a:solidFill>
+                <a:effectLst/>
+                <a:latin typeface="+mn-lt"/>
+                <a:ea typeface="+mn-ea"/>
+                <a:cs typeface="+mn-cs"/>
+                <a:hlinkClick r:id="rId9" tooltip="Mathématiques arabes"/>
+              </a:rPr>
+              <a:t>savoir mathématique des musulmans</a:t>
+            </a:r>
+            <a:r>
+              <a:rPr lang="fr-CA" sz="1200" b="0" i="0" kern="1200" dirty="0" smtClean="0">
+                <a:solidFill>
+                  <a:schemeClr val="tx1"/>
+                </a:solidFill>
+                <a:effectLst/>
+                <a:latin typeface="+mn-lt"/>
+                <a:ea typeface="+mn-ea"/>
+                <a:cs typeface="+mn-cs"/>
+              </a:rPr>
+              <a:t>, notamment des </a:t>
+            </a:r>
+            <a:r>
+              <a:rPr lang="fr-CA" sz="1200" b="0" i="0" u="none" strike="noStrike" kern="1200" dirty="0" smtClean="0">
+                <a:solidFill>
+                  <a:schemeClr val="tx1"/>
+                </a:solidFill>
+                <a:effectLst/>
+                <a:latin typeface="+mn-lt"/>
+                <a:ea typeface="+mn-ea"/>
+                <a:cs typeface="+mn-cs"/>
+                <a:hlinkClick r:id="rId10" tooltip="Chiffres arabes"/>
+              </a:rPr>
+              <a:t>chiffres indo-arabes</a:t>
+            </a:r>
+            <a:r>
+              <a:rPr lang="fr-CA" sz="1200" b="0" i="0" kern="1200" dirty="0" smtClean="0">
+                <a:solidFill>
+                  <a:schemeClr val="tx1"/>
+                </a:solidFill>
+                <a:effectLst/>
+                <a:latin typeface="+mn-lt"/>
+                <a:ea typeface="+mn-ea"/>
+                <a:cs typeface="+mn-cs"/>
+              </a:rPr>
+              <a:t>, et l'Occident</a:t>
+            </a:r>
+            <a:r>
+              <a:rPr lang="fr-CA" sz="1200" b="0" i="0" u="none" strike="noStrike" kern="1200" baseline="30000" dirty="0" smtClean="0">
+                <a:solidFill>
+                  <a:schemeClr val="tx1"/>
+                </a:solidFill>
+                <a:effectLst/>
+                <a:latin typeface="+mn-lt"/>
+                <a:ea typeface="+mn-ea"/>
+                <a:cs typeface="+mn-cs"/>
+                <a:hlinkClick r:id="rId11"/>
+              </a:rPr>
+              <a:t>1</a:t>
+            </a:r>
+            <a:r>
+              <a:rPr lang="fr-CA" sz="1200" b="0" i="0" kern="1200" dirty="0" smtClean="0">
+                <a:solidFill>
+                  <a:schemeClr val="tx1"/>
+                </a:solidFill>
+                <a:effectLst/>
+                <a:latin typeface="+mn-lt"/>
+                <a:ea typeface="+mn-ea"/>
+                <a:cs typeface="+mn-cs"/>
+              </a:rPr>
+              <a:t>.</a:t>
+            </a:r>
+            <a:endParaRPr lang="fr-CA" dirty="0"/>
+          </a:p>
+        </p:txBody>
+      </p:sp>
+      <p:sp>
+        <p:nvSpPr>
+          <p:cNvPr id="4" name="Espace réservé du numéro de diapositive 3"/>
+          <p:cNvSpPr>
+            <a:spLocks noGrp="1"/>
+          </p:cNvSpPr>
+          <p:nvPr>
+            <p:ph type="sldNum" sz="quarter" idx="10"/>
+          </p:nvPr>
+        </p:nvSpPr>
+        <p:spPr/>
+        <p:txBody>
+          <a:bodyPr/>
+          <a:lstStyle/>
+          <a:p>
+            <a:fld id="{1499BD0C-0209-4EE0-9E6C-D08962FEAD60}" type="slidenum">
+              <a:rPr lang="fr-CA" smtClean="0"/>
+              <a:t>2</a:t>
+            </a:fld>
+            <a:endParaRPr lang="fr-CA"/>
+          </a:p>
+        </p:txBody>
+      </p:sp>
+    </p:spTree>
+    <p:extLst>
+      <p:ext uri="{BB962C8B-B14F-4D97-AF65-F5344CB8AC3E}">
+        <p14:creationId xmlns:p14="http://schemas.microsoft.com/office/powerpoint/2010/main" val="1967650624"/>
+      </p:ext>
+    </p:extLst>
+  </p:cSld>
+  <p:clrMapOvr>
+    <a:masterClrMapping/>
+  </p:clrMapOvr>
+</p:notes>
+</file>
+
+<file path=ppt/notesSlides/notesSlide2.xml><?xml version="1.0" encoding="utf-8"?>
+<p:notes xmlns:a="http://schemas.openxmlformats.org/drawingml/2006/main" xmlns:r="http://schemas.openxmlformats.org/officeDocument/2006/relationships" xmlns:p="http://schemas.openxmlformats.org/presentationml/2006/main">
+  <p:cSld>
+    <p:spTree>
+      <p:nvGrpSpPr>
+        <p:cNvPr id="1" name=""/>
+        <p:cNvGrpSpPr/>
+        <p:nvPr/>
+      </p:nvGrpSpPr>
+      <p:grpSpPr>
+        <a:xfrm>
+          <a:off x="0" y="0"/>
+          <a:ext cx="0" cy="0"/>
+          <a:chOff x="0" y="0"/>
+          <a:chExt cx="0" cy="0"/>
+        </a:xfrm>
+      </p:grpSpPr>
+      <p:sp>
+        <p:nvSpPr>
+          <p:cNvPr id="2" name="Espace réservé de l'image des diapositives 1"/>
+          <p:cNvSpPr>
+            <a:spLocks noGrp="1" noRot="1" noChangeAspect="1"/>
+          </p:cNvSpPr>
+          <p:nvPr>
+            <p:ph type="sldImg"/>
+          </p:nvPr>
+        </p:nvSpPr>
+        <p:spPr/>
+      </p:sp>
+      <p:sp>
+        <p:nvSpPr>
+          <p:cNvPr id="3" name="Espace réservé des notes 2"/>
+          <p:cNvSpPr>
+            <a:spLocks noGrp="1"/>
+          </p:cNvSpPr>
+          <p:nvPr>
+            <p:ph type="body" idx="1"/>
+          </p:nvPr>
+        </p:nvSpPr>
+        <p:spPr/>
+        <p:txBody>
+          <a:bodyPr/>
+          <a:lstStyle/>
+          <a:p>
+            <a:r>
               <a:rPr lang="fr-CA" sz="1200" b="0" i="0" kern="1200" dirty="0" smtClean="0">
                 <a:solidFill>
                   <a:schemeClr val="tx1"/>
@@ -12803,7 +13209,7 @@
           <a:p>
             <a:fld id="{4EB80C62-8577-4105-B4F1-98D0924FD083}" type="datetimeFigureOut">
               <a:rPr lang="fr-CA" smtClean="0"/>
-              <a:t>2019-04-10</a:t>
+              <a:t>2019-04-11</a:t>
             </a:fld>
             <a:endParaRPr lang="fr-CA"/>
           </a:p>
@@ -12973,7 +13379,7 @@
           <a:p>
             <a:fld id="{4EB80C62-8577-4105-B4F1-98D0924FD083}" type="datetimeFigureOut">
               <a:rPr lang="fr-CA" smtClean="0"/>
-              <a:t>2019-04-10</a:t>
+              <a:t>2019-04-11</a:t>
             </a:fld>
             <a:endParaRPr lang="fr-CA"/>
           </a:p>
@@ -13153,7 +13559,7 @@
           <a:p>
             <a:fld id="{4EB80C62-8577-4105-B4F1-98D0924FD083}" type="datetimeFigureOut">
               <a:rPr lang="fr-CA" smtClean="0"/>
-              <a:t>2019-04-10</a:t>
+              <a:t>2019-04-11</a:t>
             </a:fld>
             <a:endParaRPr lang="fr-CA"/>
           </a:p>
@@ -13323,7 +13729,7 @@
           <a:p>
             <a:fld id="{4EB80C62-8577-4105-B4F1-98D0924FD083}" type="datetimeFigureOut">
               <a:rPr lang="fr-CA" smtClean="0"/>
-              <a:t>2019-04-10</a:t>
+              <a:t>2019-04-11</a:t>
             </a:fld>
             <a:endParaRPr lang="fr-CA"/>
           </a:p>
@@ -13569,7 +13975,7 @@
           <a:p>
             <a:fld id="{4EB80C62-8577-4105-B4F1-98D0924FD083}" type="datetimeFigureOut">
               <a:rPr lang="fr-CA" smtClean="0"/>
-              <a:t>2019-04-10</a:t>
+              <a:t>2019-04-11</a:t>
             </a:fld>
             <a:endParaRPr lang="fr-CA"/>
           </a:p>
@@ -13801,7 +14207,7 @@
           <a:p>
             <a:fld id="{4EB80C62-8577-4105-B4F1-98D0924FD083}" type="datetimeFigureOut">
               <a:rPr lang="fr-CA" smtClean="0"/>
-              <a:t>2019-04-10</a:t>
+              <a:t>2019-04-11</a:t>
             </a:fld>
             <a:endParaRPr lang="fr-CA"/>
           </a:p>
@@ -14168,7 +14574,7 @@
           <a:p>
             <a:fld id="{4EB80C62-8577-4105-B4F1-98D0924FD083}" type="datetimeFigureOut">
               <a:rPr lang="fr-CA" smtClean="0"/>
-              <a:t>2019-04-10</a:t>
+              <a:t>2019-04-11</a:t>
             </a:fld>
             <a:endParaRPr lang="fr-CA"/>
           </a:p>
@@ -14286,7 +14692,7 @@
           <a:p>
             <a:fld id="{4EB80C62-8577-4105-B4F1-98D0924FD083}" type="datetimeFigureOut">
               <a:rPr lang="fr-CA" smtClean="0"/>
-              <a:t>2019-04-10</a:t>
+              <a:t>2019-04-11</a:t>
             </a:fld>
             <a:endParaRPr lang="fr-CA"/>
           </a:p>
@@ -14381,7 +14787,7 @@
           <a:p>
             <a:fld id="{4EB80C62-8577-4105-B4F1-98D0924FD083}" type="datetimeFigureOut">
               <a:rPr lang="fr-CA" smtClean="0"/>
-              <a:t>2019-04-10</a:t>
+              <a:t>2019-04-11</a:t>
             </a:fld>
             <a:endParaRPr lang="fr-CA"/>
           </a:p>
@@ -14658,7 +15064,7 @@
           <a:p>
             <a:fld id="{4EB80C62-8577-4105-B4F1-98D0924FD083}" type="datetimeFigureOut">
               <a:rPr lang="fr-CA" smtClean="0"/>
-              <a:t>2019-04-10</a:t>
+              <a:t>2019-04-11</a:t>
             </a:fld>
             <a:endParaRPr lang="fr-CA"/>
           </a:p>
@@ -14911,7 +15317,7 @@
           <a:p>
             <a:fld id="{4EB80C62-8577-4105-B4F1-98D0924FD083}" type="datetimeFigureOut">
               <a:rPr lang="fr-CA" smtClean="0"/>
-              <a:t>2019-04-10</a:t>
+              <a:t>2019-04-11</a:t>
             </a:fld>
             <a:endParaRPr lang="fr-CA"/>
           </a:p>
@@ -15124,7 +15530,7 @@
           <a:p>
             <a:fld id="{4EB80C62-8577-4105-B4F1-98D0924FD083}" type="datetimeFigureOut">
               <a:rPr lang="fr-CA" smtClean="0"/>
-              <a:t>2019-04-10</a:t>
+              <a:t>2019-04-11</a:t>
             </a:fld>
             <a:endParaRPr lang="fr-CA"/>
           </a:p>
@@ -16456,11 +16862,7 @@
           <a:p>
             <a:r>
               <a:rPr lang="fr-CA" sz="5400" dirty="0" smtClean="0"/>
-              <a:t>Combien de </a:t>
-            </a:r>
-            <a:r>
-              <a:rPr lang="fr-CA" sz="5400" dirty="0" smtClean="0"/>
-              <a:t>pétales sur votre fleur?</a:t>
+              <a:t>Combien de pétales sur votre fleur?</a:t>
             </a:r>
             <a:endParaRPr lang="fr-CA" sz="5400" dirty="0"/>
           </a:p>
@@ -17015,7 +17417,7 @@
           <p:nvPr/>
         </p:nvPicPr>
         <p:blipFill>
-          <a:blip r:embed="rId2">
+          <a:blip r:embed="rId3">
             <a:extLst>
               <a:ext uri="{28A0092B-C50C-407E-A947-70E740481C1C}">
                 <a14:useLocalDpi xmlns:a14="http://schemas.microsoft.com/office/drawing/2010/main" val="0"/>
@@ -17200,15 +17602,13 @@
           <a:p>
             <a:r>
               <a:rPr lang="fr-CA" sz="3200" dirty="0" smtClean="0"/>
-              <a:t>Ainsi, le faux bourdon descend d’une Reine seulement, alors que celle-ci descend d’un mâle et d’une Reine. </a:t>
+              <a:t>Ainsi, le faux bourdon descend d’une Reine seulement, alors que celle-ci descend d’un mâle et d’une Reine</a:t>
             </a:r>
-          </a:p>
-          <a:p>
             <a:r>
               <a:rPr lang="fr-CA" sz="3200" dirty="0" smtClean="0"/>
-              <a:t>Combien le faux bourdon possède-t-il d’ancêtres (d’ancêtres mâles, d’ancêtres Reines) appartenant à une génération donnée ?</a:t>
+              <a:t>.</a:t>
             </a:r>
-            <a:endParaRPr lang="fr-CA" sz="3200" dirty="0"/>
+            <a:endParaRPr lang="fr-CA" sz="3200" dirty="0" smtClean="0"/>
           </a:p>
         </p:txBody>
       </p:sp>
